--- a/DS_Sat_2020/DS-Day-02 R.pptx
+++ b/DS_Sat_2020/DS-Day-02 R.pptx
@@ -201,7 +201,7 @@
           <a:p>
             <a:fld id="{22783AA6-C1EF-448D-A48A-EF30DCBEFCCC}" type="datetimeFigureOut">
               <a:rPr lang="en-US" smtClean="0"/>
-              <a:t>2/9/19</a:t>
+              <a:t>2/2/20</a:t>
             </a:fld>
             <a:endParaRPr lang="en-US"/>
           </a:p>
@@ -1121,7 +1121,7 @@
           <a:p>
             <a:fld id="{C14F4D0B-68E4-4C14-BD4D-319F9BD213A3}" type="datetimeFigureOut">
               <a:rPr lang="ru-RU" smtClean="0"/>
-              <a:t>09.02.2019</a:t>
+              <a:t>02.02.2020</a:t>
             </a:fld>
             <a:endParaRPr lang="ru-RU"/>
           </a:p>
@@ -1291,7 +1291,7 @@
           <a:p>
             <a:fld id="{C14F4D0B-68E4-4C14-BD4D-319F9BD213A3}" type="datetimeFigureOut">
               <a:rPr lang="ru-RU" smtClean="0"/>
-              <a:t>09.02.2019</a:t>
+              <a:t>02.02.2020</a:t>
             </a:fld>
             <a:endParaRPr lang="ru-RU"/>
           </a:p>
@@ -1471,7 +1471,7 @@
           <a:p>
             <a:fld id="{C14F4D0B-68E4-4C14-BD4D-319F9BD213A3}" type="datetimeFigureOut">
               <a:rPr lang="ru-RU" smtClean="0"/>
-              <a:t>09.02.2019</a:t>
+              <a:t>02.02.2020</a:t>
             </a:fld>
             <a:endParaRPr lang="ru-RU"/>
           </a:p>
@@ -1641,7 +1641,7 @@
           <a:p>
             <a:fld id="{C14F4D0B-68E4-4C14-BD4D-319F9BD213A3}" type="datetimeFigureOut">
               <a:rPr lang="ru-RU" smtClean="0"/>
-              <a:t>09.02.2019</a:t>
+              <a:t>02.02.2020</a:t>
             </a:fld>
             <a:endParaRPr lang="ru-RU"/>
           </a:p>
@@ -1892,7 +1892,7 @@
           <a:p>
             <a:fld id="{C14F4D0B-68E4-4C14-BD4D-319F9BD213A3}" type="datetimeFigureOut">
               <a:rPr lang="ru-RU" smtClean="0"/>
-              <a:t>09.02.2019</a:t>
+              <a:t>02.02.2020</a:t>
             </a:fld>
             <a:endParaRPr lang="ru-RU"/>
           </a:p>
@@ -2124,7 +2124,7 @@
           <a:p>
             <a:fld id="{C14F4D0B-68E4-4C14-BD4D-319F9BD213A3}" type="datetimeFigureOut">
               <a:rPr lang="ru-RU" smtClean="0"/>
-              <a:t>09.02.2019</a:t>
+              <a:t>02.02.2020</a:t>
             </a:fld>
             <a:endParaRPr lang="ru-RU"/>
           </a:p>
@@ -2471,7 +2471,7 @@
           <a:p>
             <a:fld id="{C14F4D0B-68E4-4C14-BD4D-319F9BD213A3}" type="datetimeFigureOut">
               <a:rPr lang="ru-RU" smtClean="0"/>
-              <a:t>09.02.2019</a:t>
+              <a:t>02.02.2020</a:t>
             </a:fld>
             <a:endParaRPr lang="ru-RU"/>
           </a:p>
@@ -2589,7 +2589,7 @@
           <a:p>
             <a:fld id="{C14F4D0B-68E4-4C14-BD4D-319F9BD213A3}" type="datetimeFigureOut">
               <a:rPr lang="ru-RU" smtClean="0"/>
-              <a:t>09.02.2019</a:t>
+              <a:t>02.02.2020</a:t>
             </a:fld>
             <a:endParaRPr lang="ru-RU"/>
           </a:p>
@@ -2707,7 +2707,7 @@
           <a:p>
             <a:fld id="{C14F4D0B-68E4-4C14-BD4D-319F9BD213A3}" type="datetimeFigureOut">
               <a:rPr lang="ru-RU" smtClean="0"/>
-              <a:t>09.02.2019</a:t>
+              <a:t>02.02.2020</a:t>
             </a:fld>
             <a:endParaRPr lang="ru-RU"/>
           </a:p>
@@ -2991,7 +2991,7 @@
           <a:p>
             <a:fld id="{C14F4D0B-68E4-4C14-BD4D-319F9BD213A3}" type="datetimeFigureOut">
               <a:rPr lang="ru-RU" smtClean="0"/>
-              <a:t>09.02.2019</a:t>
+              <a:t>02.02.2020</a:t>
             </a:fld>
             <a:endParaRPr lang="ru-RU"/>
           </a:p>
@@ -3255,7 +3255,7 @@
           <a:p>
             <a:fld id="{C14F4D0B-68E4-4C14-BD4D-319F9BD213A3}" type="datetimeFigureOut">
               <a:rPr lang="ru-RU" smtClean="0"/>
-              <a:t>09.02.2019</a:t>
+              <a:t>02.02.2020</a:t>
             </a:fld>
             <a:endParaRPr lang="ru-RU"/>
           </a:p>
@@ -3469,7 +3469,7 @@
           <a:p>
             <a:fld id="{C14F4D0B-68E4-4C14-BD4D-319F9BD213A3}" type="datetimeFigureOut">
               <a:rPr lang="ru-RU" smtClean="0"/>
-              <a:t>09.02.2019</a:t>
+              <a:t>02.02.2020</a:t>
             </a:fld>
             <a:endParaRPr lang="ru-RU"/>
           </a:p>
@@ -4007,7 +4007,7 @@
         <p:spPr>
           <a:xfrm>
             <a:off x="560070" y="922063"/>
-            <a:ext cx="8263890" cy="5539978"/>
+            <a:ext cx="8263890" cy="5909310"/>
           </a:xfrm>
           <a:prstGeom prst="rect">
             <a:avLst/>
@@ -4054,8 +4054,41 @@
             </a:r>
             <a:r>
               <a:rPr lang="ru-RU" sz="2400" dirty="0"/>
-              <a:t>наибольшим стандартным отклонением. Соответственно подписать оси и задать цвет красным.</a:t>
-            </a:r>
+              <a:t>наибольшим стандартным отклонением. Соответственно подписать оси и задать цвет красным</a:t>
+            </a:r>
+            <a:r>
+              <a:rPr lang="en-US" sz="2400" dirty="0"/>
+              <a:t> (</a:t>
+            </a:r>
+            <a:r>
+              <a:rPr lang="ru-RU" sz="2400" dirty="0"/>
+              <a:t>использовать команды </a:t>
+            </a:r>
+            <a:r>
+              <a:rPr lang="en-US" sz="2400" dirty="0" err="1"/>
+              <a:t>which.min</a:t>
+            </a:r>
+            <a:r>
+              <a:rPr lang="en-US" sz="2400" dirty="0"/>
+              <a:t>() </a:t>
+            </a:r>
+            <a:r>
+              <a:rPr lang="ru-RU" sz="2400" dirty="0"/>
+              <a:t>и </a:t>
+            </a:r>
+            <a:r>
+              <a:rPr lang="en-US" sz="2400" dirty="0"/>
+              <a:t>which</a:t>
+            </a:r>
+            <a:r>
+              <a:rPr lang="ru-RU" sz="2400" dirty="0"/>
+              <a:t>.</a:t>
+            </a:r>
+            <a:r>
+              <a:rPr lang="en-US" sz="2400" dirty="0"/>
+              <a:t>max())</a:t>
+            </a:r>
+            <a:endParaRPr lang="ru-RU" sz="2400" dirty="0"/>
           </a:p>
           <a:p>
             <a:pPr algn="just">
